--- a/Project Proposal/VQA presentation.pptx
+++ b/Project Proposal/VQA presentation.pptx
@@ -1111,11 +1111,11 @@
           <c:showBubbleSize val="0"/>
         </c:dLbls>
         <c:smooth val="0"/>
-        <c:axId val="326064352"/>
-        <c:axId val="326065136"/>
+        <c:axId val="217676528"/>
+        <c:axId val="218749328"/>
       </c:lineChart>
       <c:catAx>
-        <c:axId val="326064352"/>
+        <c:axId val="217676528"/>
         <c:scaling>
           <c:orientation val="minMax"/>
         </c:scaling>
@@ -1214,7 +1214,7 @@
             <a:endParaRPr lang="en-US"/>
           </a:p>
         </c:txPr>
-        <c:crossAx val="326065136"/>
+        <c:crossAx val="218749328"/>
         <c:crosses val="autoZero"/>
         <c:auto val="1"/>
         <c:lblAlgn val="ctr"/>
@@ -1222,7 +1222,7 @@
         <c:noMultiLvlLbl val="0"/>
       </c:catAx>
       <c:valAx>
-        <c:axId val="326065136"/>
+        <c:axId val="218749328"/>
         <c:scaling>
           <c:orientation val="minMax"/>
         </c:scaling>
@@ -1329,7 +1329,7 @@
             <a:endParaRPr lang="en-US"/>
           </a:p>
         </c:txPr>
-        <c:crossAx val="326064352"/>
+        <c:crossAx val="217676528"/>
         <c:crosses val="autoZero"/>
         <c:crossBetween val="between"/>
       </c:valAx>
@@ -6080,11 +6080,7 @@
             </a:pPr>
             <a:r>
               <a:rPr lang="en-US" sz="1400" dirty="0" smtClean="0"/>
-              <a:t>adds </a:t>
-            </a:r>
-            <a:r>
-              <a:rPr lang="en-US" sz="1400" dirty="0" smtClean="0"/>
-              <a:t>the attended image vector back to the question vector, and does one more iteration of attention.</a:t>
+              <a:t>adds the attended image vector back to the question vector, and does one more iteration of attention.</a:t>
             </a:r>
           </a:p>
           <a:p>
@@ -6653,41 +6649,6 @@
           </a:p>
         </p:txBody>
       </p:sp>
-      <p:cxnSp>
-        <p:nvCxnSpPr>
-          <p:cNvPr id="69" name="Straight Arrow Connector 68"/>
-          <p:cNvCxnSpPr>
-            <a:stCxn id="23" idx="2"/>
-          </p:cNvCxnSpPr>
-          <p:nvPr/>
-        </p:nvCxnSpPr>
-        <p:spPr>
-          <a:xfrm flipH="1">
-            <a:off x="7679702" y="5627671"/>
-            <a:ext cx="1" cy="687472"/>
-          </a:xfrm>
-          <a:prstGeom prst="straightConnector1">
-            <a:avLst/>
-          </a:prstGeom>
-          <a:ln>
-            <a:tailEnd type="triangle"/>
-          </a:ln>
-        </p:spPr>
-        <p:style>
-          <a:lnRef idx="1">
-            <a:schemeClr val="accent1"/>
-          </a:lnRef>
-          <a:fillRef idx="0">
-            <a:schemeClr val="accent1"/>
-          </a:fillRef>
-          <a:effectRef idx="0">
-            <a:schemeClr val="accent1"/>
-          </a:effectRef>
-          <a:fontRef idx="minor">
-            <a:schemeClr val="tx1"/>
-          </a:fontRef>
-        </p:style>
-      </p:cxnSp>
       <p:sp>
         <p:nvSpPr>
           <p:cNvPr id="70" name="Rectangle 69"/>
@@ -6696,7 +6657,7 @@
         </p:nvSpPr>
         <p:spPr>
           <a:xfrm>
-            <a:off x="6040136" y="6315143"/>
+            <a:off x="7153783" y="5564408"/>
             <a:ext cx="3206021" cy="400188"/>
           </a:xfrm>
           <a:prstGeom prst="rect">
@@ -7024,16 +6985,167 @@
         <p:nvCxnSpPr>
           <p:cNvPr id="28" name="Elbow Connector 27"/>
           <p:cNvCxnSpPr>
+            <a:stCxn id="30" idx="1"/>
             <a:endCxn id="6" idx="4"/>
           </p:cNvCxnSpPr>
           <p:nvPr/>
         </p:nvCxnSpPr>
         <p:spPr>
           <a:xfrm rot="10800000">
-            <a:off x="5235766" y="4408191"/>
-            <a:ext cx="2443937" cy="1694226"/>
+            <a:off x="5235766" y="4408192"/>
+            <a:ext cx="1203463" cy="1824461"/>
           </a:xfrm>
           <a:prstGeom prst="bentConnector2">
+            <a:avLst/>
+          </a:prstGeom>
+          <a:ln>
+            <a:tailEnd type="triangle"/>
+          </a:ln>
+        </p:spPr>
+        <p:style>
+          <a:lnRef idx="1">
+            <a:schemeClr val="accent1"/>
+          </a:lnRef>
+          <a:fillRef idx="0">
+            <a:schemeClr val="accent1"/>
+          </a:fillRef>
+          <a:effectRef idx="0">
+            <a:schemeClr val="accent1"/>
+          </a:effectRef>
+          <a:fontRef idx="minor">
+            <a:schemeClr val="tx1"/>
+          </a:fontRef>
+        </p:style>
+      </p:cxnSp>
+      <p:sp>
+        <p:nvSpPr>
+          <p:cNvPr id="30" name="Rectangle 29"/>
+          <p:cNvSpPr/>
+          <p:nvPr/>
+        </p:nvSpPr>
+        <p:spPr>
+          <a:xfrm>
+            <a:off x="6439228" y="5996559"/>
+            <a:ext cx="2480947" cy="472185"/>
+          </a:xfrm>
+          <a:prstGeom prst="rect">
+            <a:avLst/>
+          </a:prstGeom>
+          <a:noFill/>
+        </p:spPr>
+        <p:style>
+          <a:lnRef idx="2">
+            <a:schemeClr val="accent1">
+              <a:shade val="50000"/>
+            </a:schemeClr>
+          </a:lnRef>
+          <a:fillRef idx="1">
+            <a:schemeClr val="accent1"/>
+          </a:fillRef>
+          <a:effectRef idx="0">
+            <a:schemeClr val="accent1"/>
+          </a:effectRef>
+          <a:fontRef idx="minor">
+            <a:schemeClr val="lt1"/>
+          </a:fontRef>
+        </p:style>
+        <p:txBody>
+          <a:bodyPr rtlCol="0" anchor="ctr"/>
+          <a:lstStyle/>
+          <a:p>
+            <a:pPr algn="ctr"/>
+            <a:r>
+              <a:rPr lang="en-US" sz="1400" dirty="0" smtClean="0">
+                <a:solidFill>
+                  <a:schemeClr val="tx1"/>
+                </a:solidFill>
+              </a:rPr>
+              <a:t>Non linear layer (Gated tan h)</a:t>
+            </a:r>
+          </a:p>
+          <a:p>
+            <a:pPr algn="ctr"/>
+            <a:r>
+              <a:rPr lang="en-US" sz="1400" dirty="0" smtClean="0">
+                <a:solidFill>
+                  <a:schemeClr val="tx1"/>
+                </a:solidFill>
+              </a:rPr>
+              <a:t>Input = </a:t>
+            </a:r>
+            <a:r>
+              <a:rPr lang="en-US" sz="1400" dirty="0" smtClean="0">
+                <a:solidFill>
+                  <a:schemeClr val="tx1"/>
+                </a:solidFill>
+              </a:rPr>
+              <a:t>2048, </a:t>
+            </a:r>
+            <a:r>
+              <a:rPr lang="en-US" sz="1400" dirty="0" smtClean="0">
+                <a:solidFill>
+                  <a:schemeClr val="tx1"/>
+                </a:solidFill>
+              </a:rPr>
+              <a:t>Output=512</a:t>
+            </a:r>
+            <a:endParaRPr lang="en-US" sz="1400" dirty="0">
+              <a:solidFill>
+                <a:schemeClr val="tx1"/>
+              </a:solidFill>
+            </a:endParaRPr>
+          </a:p>
+        </p:txBody>
+      </p:sp>
+      <p:cxnSp>
+        <p:nvCxnSpPr>
+          <p:cNvPr id="11" name="Straight Arrow Connector 10"/>
+          <p:cNvCxnSpPr>
+            <a:stCxn id="23" idx="2"/>
+          </p:cNvCxnSpPr>
+          <p:nvPr/>
+        </p:nvCxnSpPr>
+        <p:spPr>
+          <a:xfrm flipH="1">
+            <a:off x="7679702" y="5627671"/>
+            <a:ext cx="1" cy="336925"/>
+          </a:xfrm>
+          <a:prstGeom prst="straightConnector1">
+            <a:avLst/>
+          </a:prstGeom>
+          <a:ln>
+            <a:tailEnd type="triangle"/>
+          </a:ln>
+        </p:spPr>
+        <p:style>
+          <a:lnRef idx="1">
+            <a:schemeClr val="accent1"/>
+          </a:lnRef>
+          <a:fillRef idx="0">
+            <a:schemeClr val="accent1"/>
+          </a:fillRef>
+          <a:effectRef idx="0">
+            <a:schemeClr val="accent1"/>
+          </a:effectRef>
+          <a:fontRef idx="minor">
+            <a:schemeClr val="tx1"/>
+          </a:fontRef>
+        </p:style>
+      </p:cxnSp>
+      <p:cxnSp>
+        <p:nvCxnSpPr>
+          <p:cNvPr id="13" name="Straight Arrow Connector 12"/>
+          <p:cNvCxnSpPr>
+            <a:stCxn id="30" idx="2"/>
+          </p:cNvCxnSpPr>
+          <p:nvPr/>
+        </p:nvCxnSpPr>
+        <p:spPr>
+          <a:xfrm flipH="1">
+            <a:off x="7679701" y="6468744"/>
+            <a:ext cx="1" cy="350723"/>
+          </a:xfrm>
+          <a:prstGeom prst="straightConnector1">
             <a:avLst/>
           </a:prstGeom>
           <a:ln>
@@ -10060,11 +10172,7 @@
             <a:pPr algn="l"/>
             <a:r>
               <a:rPr lang="en-US" sz="2800" b="1" dirty="0" smtClean="0"/>
-              <a:t>VQA </a:t>
-            </a:r>
-            <a:r>
-              <a:rPr lang="en-US" sz="2800" b="1" dirty="0" smtClean="0"/>
-              <a:t>bottom up – top down attention model</a:t>
+              <a:t>VQA bottom up – top down attention model</a:t>
             </a:r>
             <a:endParaRPr lang="en-US" sz="2800" b="1" dirty="0"/>
           </a:p>
@@ -10300,7 +10408,6 @@
               <a:rPr lang="en-US" sz="2800" b="1" dirty="0"/>
               <a:t>bottom up – top down attention model</a:t>
             </a:r>
-            <a:endParaRPr lang="en-US" sz="2800" b="1" dirty="0"/>
           </a:p>
         </p:txBody>
       </p:sp>
@@ -10456,11 +10563,6 @@
               </a:rPr>
               <a:t>R-CNN</a:t>
             </a:r>
-            <a:endParaRPr lang="en-US" sz="1400" dirty="0">
-              <a:solidFill>
-                <a:schemeClr val="tx1"/>
-              </a:solidFill>
-            </a:endParaRPr>
           </a:p>
         </p:txBody>
       </p:sp>
